--- a/Presentations/4 Routine SA processing.pptx
+++ b/Presentations/4 Routine SA processing.pptx
@@ -6,7 +6,7 @@
     <p:sldMasterId id="2147483660" r:id="rId2"/>
   </p:sldMasterIdLst>
   <p:notesMasterIdLst>
-    <p:notesMasterId r:id="rId13"/>
+    <p:notesMasterId r:id="rId14"/>
   </p:notesMasterIdLst>
   <p:sldIdLst>
     <p:sldId id="278" r:id="rId3"/>
@@ -14,11 +14,12 @@
     <p:sldId id="264" r:id="rId5"/>
     <p:sldId id="258" r:id="rId6"/>
     <p:sldId id="263" r:id="rId7"/>
-    <p:sldId id="259" r:id="rId8"/>
-    <p:sldId id="260" r:id="rId9"/>
-    <p:sldId id="261" r:id="rId10"/>
-    <p:sldId id="262" r:id="rId11"/>
-    <p:sldId id="265" r:id="rId12"/>
+    <p:sldId id="279" r:id="rId8"/>
+    <p:sldId id="259" r:id="rId9"/>
+    <p:sldId id="260" r:id="rId10"/>
+    <p:sldId id="261" r:id="rId11"/>
+    <p:sldId id="262" r:id="rId12"/>
+    <p:sldId id="265" r:id="rId13"/>
   </p:sldIdLst>
   <p:sldSz cx="9144000" cy="6858000" type="screen4x3"/>
   <p:notesSz cx="6858000" cy="9144000"/>
@@ -218,7 +219,7 @@
           <a:p>
             <a:fld id="{62BBAFA2-C751-43EF-B9D8-D85D518624AA}" type="datetimeFigureOut">
               <a:rPr lang="en-GB" smtClean="0"/>
-              <a:t>30/09/2024</a:t>
+              <a:t>17/10/2024</a:t>
             </a:fld>
             <a:endParaRPr lang="en-GB"/>
           </a:p>
@@ -7395,6 +7396,284 @@
 </file>
 
 <file path=ppt/slides/slide10.xml><?xml version="1.0" encoding="utf-8"?>
+<p:sld xmlns:a="http://schemas.openxmlformats.org/drawingml/2006/main" xmlns:r="http://schemas.openxmlformats.org/officeDocument/2006/relationships" xmlns:p="http://schemas.openxmlformats.org/presentationml/2006/main">
+  <p:cSld>
+    <p:spTree>
+      <p:nvGrpSpPr>
+        <p:cNvPr id="1" name=""/>
+        <p:cNvGrpSpPr/>
+        <p:nvPr/>
+      </p:nvGrpSpPr>
+      <p:grpSpPr>
+        <a:xfrm>
+          <a:off x="0" y="0"/>
+          <a:ext cx="0" cy="0"/>
+          <a:chOff x="0" y="0"/>
+          <a:chExt cx="0" cy="0"/>
+        </a:xfrm>
+      </p:grpSpPr>
+      <p:sp>
+        <p:nvSpPr>
+          <p:cNvPr id="2" name="Title 1"/>
+          <p:cNvSpPr>
+            <a:spLocks noGrp="1"/>
+          </p:cNvSpPr>
+          <p:nvPr>
+            <p:ph type="title"/>
+          </p:nvPr>
+        </p:nvSpPr>
+        <p:spPr/>
+        <p:txBody>
+          <a:bodyPr/>
+          <a:lstStyle/>
+          <a:p>
+            <a:r>
+              <a:rPr lang="fr-BE" dirty="0" err="1"/>
+              <a:t>JWSACruncher</a:t>
+            </a:r>
+            <a:r>
+              <a:rPr lang="fr-BE" dirty="0"/>
+              <a:t> (II)</a:t>
+            </a:r>
+            <a:endParaRPr lang="en-US" dirty="0"/>
+          </a:p>
+        </p:txBody>
+      </p:sp>
+      <p:sp>
+        <p:nvSpPr>
+          <p:cNvPr id="3" name="Content Placeholder 2"/>
+          <p:cNvSpPr>
+            <a:spLocks noGrp="1"/>
+          </p:cNvSpPr>
+          <p:nvPr>
+            <p:ph idx="1"/>
+          </p:nvPr>
+        </p:nvSpPr>
+        <p:spPr/>
+        <p:txBody>
+          <a:bodyPr/>
+          <a:lstStyle/>
+          <a:p>
+            <a:pPr lvl="2"/>
+            <a:r>
+              <a:rPr lang="fr-BE" dirty="0" err="1"/>
+              <a:t>Define</a:t>
+            </a:r>
+            <a:r>
+              <a:rPr lang="fr-BE" dirty="0"/>
+              <a:t> the setting file for the </a:t>
+            </a:r>
+            <a:r>
+              <a:rPr lang="fr-BE" dirty="0" err="1"/>
+              <a:t>cruncher</a:t>
+            </a:r>
+            <a:endParaRPr lang="fr-BE" dirty="0"/>
+          </a:p>
+          <a:p>
+            <a:pPr lvl="3"/>
+            <a:r>
+              <a:rPr lang="fr-BE" dirty="0"/>
+              <a:t>Output, format, </a:t>
+            </a:r>
+            <a:r>
+              <a:rPr lang="fr-BE" dirty="0" err="1"/>
+              <a:t>paths</a:t>
+            </a:r>
+            <a:r>
+              <a:rPr lang="fr-BE" dirty="0"/>
+              <a:t>…</a:t>
+            </a:r>
+          </a:p>
+          <a:p>
+            <a:pPr lvl="2"/>
+            <a:endParaRPr lang="fr-BE" dirty="0"/>
+          </a:p>
+          <a:p>
+            <a:pPr lvl="2"/>
+            <a:endParaRPr lang="fr-BE" dirty="0"/>
+          </a:p>
+          <a:p>
+            <a:pPr lvl="2"/>
+            <a:endParaRPr lang="fr-BE" dirty="0"/>
+          </a:p>
+          <a:p>
+            <a:pPr lvl="2"/>
+            <a:endParaRPr lang="fr-BE" dirty="0"/>
+          </a:p>
+          <a:p>
+            <a:pPr lvl="2"/>
+            <a:r>
+              <a:rPr lang="fr-BE" dirty="0"/>
+              <a:t>Call the command line </a:t>
+            </a:r>
+          </a:p>
+          <a:p>
+            <a:pPr lvl="1"/>
+            <a:r>
+              <a:rPr lang="fr-BE" dirty="0" err="1"/>
+              <a:t>Next</a:t>
+            </a:r>
+            <a:r>
+              <a:rPr lang="fr-BE" dirty="0"/>
+              <a:t> estimations</a:t>
+            </a:r>
+          </a:p>
+          <a:p>
+            <a:pPr lvl="2"/>
+            <a:r>
+              <a:rPr lang="fr-BE" dirty="0" err="1"/>
+              <a:t>Modify</a:t>
+            </a:r>
+            <a:r>
+              <a:rPr lang="fr-BE" dirty="0"/>
+              <a:t> the setting file (if </a:t>
+            </a:r>
+            <a:r>
+              <a:rPr lang="fr-BE" dirty="0" err="1"/>
+              <a:t>need</a:t>
+            </a:r>
+            <a:r>
+              <a:rPr lang="fr-BE" dirty="0"/>
+              <a:t> </a:t>
+            </a:r>
+            <a:r>
+              <a:rPr lang="fr-BE" dirty="0" err="1"/>
+              <a:t>be</a:t>
+            </a:r>
+            <a:r>
+              <a:rPr lang="fr-BE" dirty="0"/>
+              <a:t>)</a:t>
+            </a:r>
+          </a:p>
+          <a:p>
+            <a:pPr lvl="2"/>
+            <a:r>
+              <a:rPr lang="fr-BE" dirty="0" err="1"/>
+              <a:t>Re</a:t>
+            </a:r>
+            <a:r>
+              <a:rPr lang="fr-BE" dirty="0"/>
+              <a:t>-call </a:t>
+            </a:r>
+            <a:r>
+              <a:rPr lang="fr-BE"/>
+              <a:t>the command line</a:t>
+            </a:r>
+            <a:endParaRPr lang="en-US" dirty="0"/>
+          </a:p>
+          <a:p>
+            <a:endParaRPr lang="en-US" dirty="0"/>
+          </a:p>
+        </p:txBody>
+      </p:sp>
+      <p:pic>
+        <p:nvPicPr>
+          <p:cNvPr id="1026" name="Picture 2"/>
+          <p:cNvPicPr>
+            <a:picLocks noChangeAspect="1" noChangeArrowheads="1"/>
+          </p:cNvPicPr>
+          <p:nvPr/>
+        </p:nvPicPr>
+        <p:blipFill>
+          <a:blip r:embed="rId2">
+            <a:extLst>
+              <a:ext uri="{28A0092B-C50C-407E-A947-70E740481C1C}">
+                <a14:useLocalDpi xmlns:a14="http://schemas.microsoft.com/office/drawing/2010/main" val="0"/>
+              </a:ext>
+            </a:extLst>
+          </a:blip>
+          <a:srcRect/>
+          <a:stretch>
+            <a:fillRect/>
+          </a:stretch>
+        </p:blipFill>
+        <p:spPr bwMode="auto">
+          <a:xfrm>
+            <a:off x="2267744" y="2564904"/>
+            <a:ext cx="6184596" cy="1239193"/>
+          </a:xfrm>
+          <a:prstGeom prst="rect">
+            <a:avLst/>
+          </a:prstGeom>
+          <a:noFill/>
+          <a:ln w="9525">
+            <a:solidFill>
+              <a:schemeClr val="tx1"/>
+            </a:solidFill>
+            <a:miter lim="800000"/>
+            <a:headEnd/>
+            <a:tailEnd/>
+          </a:ln>
+          <a:extLst>
+            <a:ext uri="{909E8E84-426E-40DD-AFC4-6F175D3DCCD1}">
+              <a14:hiddenFill xmlns:a14="http://schemas.microsoft.com/office/drawing/2010/main">
+                <a:solidFill>
+                  <a:schemeClr val="accent1"/>
+                </a:solidFill>
+              </a14:hiddenFill>
+            </a:ext>
+          </a:extLst>
+        </p:spPr>
+      </p:pic>
+      <p:sp>
+        <p:nvSpPr>
+          <p:cNvPr id="4" name="Espace réservé de la date 3"/>
+          <p:cNvSpPr>
+            <a:spLocks noGrp="1"/>
+          </p:cNvSpPr>
+          <p:nvPr>
+            <p:ph type="dt" sz="half" idx="10"/>
+          </p:nvPr>
+        </p:nvSpPr>
+        <p:spPr/>
+        <p:txBody>
+          <a:bodyPr/>
+          <a:lstStyle/>
+          <a:p>
+            <a:r>
+              <a:rPr lang="en-US"/>
+              <a:t>15-17/10/2024</a:t>
+            </a:r>
+          </a:p>
+        </p:txBody>
+      </p:sp>
+      <p:sp>
+        <p:nvSpPr>
+          <p:cNvPr id="5" name="Espace réservé du pied de page 4"/>
+          <p:cNvSpPr>
+            <a:spLocks noGrp="1"/>
+          </p:cNvSpPr>
+          <p:nvPr>
+            <p:ph type="ftr" sz="quarter" idx="11"/>
+          </p:nvPr>
+        </p:nvSpPr>
+        <p:spPr/>
+        <p:txBody>
+          <a:bodyPr/>
+          <a:lstStyle/>
+          <a:p>
+            <a:r>
+              <a:rPr lang="en-GB"/>
+              <a:t>CONTRACTORS ORGANISING SOME OF THE COURSES ARE ACTING UNDER A FRAMEWORK CONTRACT CONCLUDED WITH THE COMMISSION</a:t>
+            </a:r>
+            <a:endParaRPr lang="en-US"/>
+          </a:p>
+        </p:txBody>
+      </p:sp>
+    </p:spTree>
+    <p:extLst>
+      <p:ext uri="{BB962C8B-B14F-4D97-AF65-F5344CB8AC3E}">
+        <p14:creationId xmlns:p14="http://schemas.microsoft.com/office/powerpoint/2010/main" val="2897055401"/>
+      </p:ext>
+    </p:extLst>
+  </p:cSld>
+  <p:clrMapOvr>
+    <a:masterClrMapping/>
+  </p:clrMapOvr>
+</p:sld>
+</file>
+
+<file path=ppt/slides/slide11.xml><?xml version="1.0" encoding="utf-8"?>
 <p:sld xmlns:a="http://schemas.openxmlformats.org/drawingml/2006/main" xmlns:r="http://schemas.openxmlformats.org/officeDocument/2006/relationships" xmlns:p="http://schemas.openxmlformats.org/presentationml/2006/main">
   <p:cSld>
     <p:spTree>
@@ -10088,7 +10367,13 @@
       </p:grpSpPr>
       <p:sp>
         <p:nvSpPr>
-          <p:cNvPr id="2" name="Title 1"/>
+          <p:cNvPr id="2" name="Titre 1">
+            <a:extLst>
+              <a:ext uri="{FF2B5EF4-FFF2-40B4-BE49-F238E27FC236}">
+                <a16:creationId xmlns:a16="http://schemas.microsoft.com/office/drawing/2014/main" id="{0CEC3075-9C51-B260-C7EB-DCDF3DC1547B}"/>
+              </a:ext>
+            </a:extLst>
+          </p:cNvPr>
           <p:cNvSpPr>
             <a:spLocks noGrp="1"/>
           </p:cNvSpPr>
@@ -10102,89 +10387,8 @@
           <a:lstStyle/>
           <a:p>
             <a:r>
-              <a:rPr lang="fr-BE" dirty="0"/>
-              <a:t>JD+ GUI  (I)</a:t>
-            </a:r>
-            <a:endParaRPr lang="en-US" dirty="0"/>
-          </a:p>
-        </p:txBody>
-      </p:sp>
-      <p:sp>
-        <p:nvSpPr>
-          <p:cNvPr id="3" name="Content Placeholder 2"/>
-          <p:cNvSpPr>
-            <a:spLocks noGrp="1"/>
-          </p:cNvSpPr>
-          <p:nvPr>
-            <p:ph idx="1"/>
-          </p:nvPr>
-        </p:nvSpPr>
-        <p:spPr/>
-        <p:txBody>
-          <a:bodyPr/>
-          <a:lstStyle/>
-          <a:p>
-            <a:r>
               <a:rPr lang="fr-BE" dirty="0" err="1"/>
-              <a:t>Suitable</a:t>
-            </a:r>
-            <a:r>
-              <a:rPr lang="fr-BE" dirty="0"/>
-              <a:t> for sets &lt; 3000 </a:t>
-            </a:r>
-            <a:r>
-              <a:rPr lang="fr-BE" dirty="0" err="1"/>
-              <a:t>series</a:t>
-            </a:r>
-            <a:endParaRPr lang="fr-BE" dirty="0"/>
-          </a:p>
-          <a:p>
-            <a:r>
-              <a:rPr lang="fr-BE" dirty="0" err="1"/>
-              <a:t>Steps</a:t>
-            </a:r>
-            <a:endParaRPr lang="fr-BE" dirty="0"/>
-          </a:p>
-          <a:p>
-            <a:pPr lvl="1"/>
-            <a:r>
-              <a:rPr lang="fr-BE" dirty="0" err="1"/>
-              <a:t>Initialization</a:t>
-            </a:r>
-            <a:endParaRPr lang="fr-BE" dirty="0"/>
-          </a:p>
-          <a:p>
-            <a:pPr lvl="2"/>
-            <a:r>
-              <a:rPr lang="fr-BE" dirty="0" err="1"/>
-              <a:t>Define</a:t>
-            </a:r>
-            <a:r>
-              <a:rPr lang="fr-BE" dirty="0"/>
-              <a:t> the default </a:t>
-            </a:r>
-            <a:r>
-              <a:rPr lang="fr-BE" dirty="0" err="1"/>
-              <a:t>specification</a:t>
-            </a:r>
-            <a:r>
-              <a:rPr lang="fr-BE" dirty="0"/>
-              <a:t> (or use an </a:t>
-            </a:r>
-            <a:r>
-              <a:rPr lang="fr-BE" dirty="0" err="1"/>
-              <a:t>existing</a:t>
-            </a:r>
-            <a:r>
-              <a:rPr lang="fr-BE" dirty="0"/>
-              <a:t> one)</a:t>
-            </a:r>
-          </a:p>
-          <a:p>
-            <a:pPr lvl="2"/>
-            <a:r>
-              <a:rPr lang="fr-BE" dirty="0" err="1"/>
-              <a:t>Modify</a:t>
+              <a:t>Updating</a:t>
             </a:r>
             <a:r>
               <a:rPr lang="fr-BE" dirty="0"/>
@@ -10192,70 +10396,113 @@
             </a:r>
             <a:r>
               <a:rPr lang="fr-BE" dirty="0" err="1"/>
-              <a:t>some</a:t>
-            </a:r>
-            <a:r>
-              <a:rPr lang="fr-BE" dirty="0"/>
-              <a:t> </a:t>
-            </a:r>
-            <a:r>
-              <a:rPr lang="fr-BE" dirty="0" err="1"/>
-              <a:t>specifications</a:t>
-            </a:r>
-            <a:r>
-              <a:rPr lang="fr-BE" dirty="0"/>
-              <a:t> (</a:t>
-            </a:r>
-            <a:r>
-              <a:rPr lang="fr-BE" dirty="0" err="1"/>
-              <a:t>keep</a:t>
-            </a:r>
-            <a:r>
-              <a:rPr lang="fr-BE" dirty="0"/>
-              <a:t> </a:t>
-            </a:r>
-            <a:r>
-              <a:rPr lang="fr-BE" dirty="0" err="1"/>
-              <a:t>them</a:t>
-            </a:r>
-            <a:r>
-              <a:rPr lang="fr-BE" dirty="0"/>
-              <a:t> « large »)</a:t>
+              <a:t>policies</a:t>
+            </a:r>
+            <a:endParaRPr lang="en-GB" dirty="0"/>
+          </a:p>
+        </p:txBody>
+      </p:sp>
+      <p:sp>
+        <p:nvSpPr>
+          <p:cNvPr id="3" name="Espace réservé du contenu 2">
+            <a:extLst>
+              <a:ext uri="{FF2B5EF4-FFF2-40B4-BE49-F238E27FC236}">
+                <a16:creationId xmlns:a16="http://schemas.microsoft.com/office/drawing/2014/main" id="{09489FEC-16A5-A1C5-E9DA-215277FDB89D}"/>
+              </a:ext>
+            </a:extLst>
+          </p:cNvPr>
+          <p:cNvSpPr>
+            <a:spLocks noGrp="1"/>
+          </p:cNvSpPr>
+          <p:nvPr>
+            <p:ph idx="1"/>
+          </p:nvPr>
+        </p:nvSpPr>
+        <p:spPr/>
+        <p:txBody>
+          <a:bodyPr/>
+          <a:lstStyle/>
+          <a:p>
+            <a:r>
+              <a:rPr lang="en-GB" dirty="0"/>
+              <a:t>Why?</a:t>
+            </a:r>
+          </a:p>
+          <a:p>
+            <a:pPr lvl="1"/>
+            <a:r>
+              <a:rPr lang="en-GB" dirty="0"/>
+              <a:t>We want to minimize the revisions (at least in the short term).</a:t>
+            </a:r>
+          </a:p>
+          <a:p>
+            <a:pPr lvl="1"/>
+            <a:r>
+              <a:rPr lang="en-GB" dirty="0"/>
+              <a:t>Origins of the revisions (decreasing importance)</a:t>
             </a:r>
           </a:p>
           <a:p>
             <a:pPr lvl="2"/>
             <a:r>
-              <a:rPr lang="fr-BE" dirty="0" err="1"/>
-              <a:t>Generate</a:t>
-            </a:r>
-            <a:r>
-              <a:rPr lang="fr-BE" dirty="0"/>
-              <a:t> and export the </a:t>
-            </a:r>
-            <a:r>
-              <a:rPr lang="fr-BE" dirty="0" err="1"/>
-              <a:t>results</a:t>
-            </a:r>
-            <a:endParaRPr lang="fr-BE" dirty="0"/>
+              <a:rPr lang="en-GB" dirty="0"/>
+              <a:t>Structure of the model (outliers, ARIMA…)</a:t>
+            </a:r>
           </a:p>
           <a:p>
             <a:pPr lvl="2"/>
             <a:r>
-              <a:rPr lang="fr-BE" dirty="0"/>
-              <a:t>Save the </a:t>
-            </a:r>
-            <a:r>
-              <a:rPr lang="fr-BE" dirty="0" err="1"/>
-              <a:t>processing</a:t>
-            </a:r>
-            <a:endParaRPr lang="fr-BE" dirty="0"/>
-          </a:p>
-        </p:txBody>
-      </p:sp>
-      <p:sp>
-        <p:nvSpPr>
-          <p:cNvPr id="4" name="Espace réservé de la date 3"/>
+              <a:rPr lang="en-GB" dirty="0"/>
+              <a:t>Parameters of the ARIMA model (Seats!)</a:t>
+            </a:r>
+          </a:p>
+          <a:p>
+            <a:pPr lvl="2"/>
+            <a:r>
+              <a:rPr lang="en-GB" dirty="0"/>
+              <a:t>Coefficients of the regression variables</a:t>
+            </a:r>
+          </a:p>
+          <a:p>
+            <a:pPr lvl="2"/>
+            <a:r>
+              <a:rPr lang="en-GB" dirty="0"/>
+              <a:t>News (forecasts ≠ actual data) →use forecasted seasonal factors or AO (fixed for revisions, free for </a:t>
+            </a:r>
+            <a:r>
+              <a:rPr lang="en-GB"/>
+              <a:t>new observations)</a:t>
+            </a:r>
+          </a:p>
+          <a:p>
+            <a:pPr lvl="2"/>
+            <a:endParaRPr lang="en-GB" dirty="0"/>
+          </a:p>
+          <a:p>
+            <a:pPr lvl="2"/>
+            <a:endParaRPr lang="en-GB" dirty="0"/>
+          </a:p>
+          <a:p>
+            <a:pPr lvl="2"/>
+            <a:endParaRPr lang="en-GB" dirty="0"/>
+          </a:p>
+          <a:p>
+            <a:pPr marL="457200" lvl="1" indent="0">
+              <a:buNone/>
+            </a:pPr>
+            <a:endParaRPr lang="en-GB" dirty="0"/>
+          </a:p>
+        </p:txBody>
+      </p:sp>
+      <p:sp>
+        <p:nvSpPr>
+          <p:cNvPr id="4" name="Espace réservé de la date 3">
+            <a:extLst>
+              <a:ext uri="{FF2B5EF4-FFF2-40B4-BE49-F238E27FC236}">
+                <a16:creationId xmlns:a16="http://schemas.microsoft.com/office/drawing/2014/main" id="{13044A43-6A0E-8E86-2B07-04F1E97354CD}"/>
+              </a:ext>
+            </a:extLst>
+          </p:cNvPr>
           <p:cNvSpPr>
             <a:spLocks noGrp="1"/>
           </p:cNvSpPr>
@@ -10277,7 +10524,13 @@
       </p:sp>
       <p:sp>
         <p:nvSpPr>
-          <p:cNvPr id="5" name="Espace réservé du pied de page 4"/>
+          <p:cNvPr id="5" name="Espace réservé du pied de page 4">
+            <a:extLst>
+              <a:ext uri="{FF2B5EF4-FFF2-40B4-BE49-F238E27FC236}">
+                <a16:creationId xmlns:a16="http://schemas.microsoft.com/office/drawing/2014/main" id="{44E767E7-E8FD-5220-0678-FD7DE8D2EAB1}"/>
+              </a:ext>
+            </a:extLst>
+          </p:cNvPr>
           <p:cNvSpPr>
             <a:spLocks noGrp="1"/>
           </p:cNvSpPr>
@@ -10301,7 +10554,7 @@
     </p:spTree>
     <p:extLst>
       <p:ext uri="{BB962C8B-B14F-4D97-AF65-F5344CB8AC3E}">
-        <p14:creationId xmlns:p14="http://schemas.microsoft.com/office/powerpoint/2010/main" val="1883903426"/>
+        <p14:creationId xmlns:p14="http://schemas.microsoft.com/office/powerpoint/2010/main" val="1710223554"/>
       </p:ext>
     </p:extLst>
   </p:cSld>
@@ -10345,7 +10598,7 @@
           <a:p>
             <a:r>
               <a:rPr lang="fr-BE" dirty="0"/>
-              <a:t>JD+ GUI (II)</a:t>
+              <a:t>JD+ GUI  (I)</a:t>
             </a:r>
             <a:endParaRPr lang="en-US" dirty="0"/>
           </a:p>
@@ -10366,267 +10619,132 @@
           <a:bodyPr/>
           <a:lstStyle/>
           <a:p>
+            <a:r>
+              <a:rPr lang="fr-BE" dirty="0" err="1"/>
+              <a:t>Suitable</a:t>
+            </a:r>
+            <a:r>
+              <a:rPr lang="fr-BE" dirty="0"/>
+              <a:t> for sets &lt; 3000 </a:t>
+            </a:r>
+            <a:r>
+              <a:rPr lang="fr-BE" dirty="0" err="1"/>
+              <a:t>series</a:t>
+            </a:r>
+            <a:endParaRPr lang="fr-BE" dirty="0"/>
+          </a:p>
+          <a:p>
+            <a:r>
+              <a:rPr lang="fr-BE" dirty="0" err="1"/>
+              <a:t>Steps</a:t>
+            </a:r>
+            <a:endParaRPr lang="fr-BE" dirty="0"/>
+          </a:p>
+          <a:p>
             <a:pPr lvl="1"/>
             <a:r>
               <a:rPr lang="fr-BE" dirty="0" err="1"/>
-              <a:t>Next</a:t>
+              <a:t>Initialization</a:t>
+            </a:r>
+            <a:endParaRPr lang="fr-BE" dirty="0"/>
+          </a:p>
+          <a:p>
+            <a:pPr lvl="2"/>
+            <a:r>
+              <a:rPr lang="fr-BE" dirty="0" err="1"/>
+              <a:t>Define</a:t>
             </a:r>
             <a:r>
               <a:rPr lang="fr-BE" dirty="0"/>
-              <a:t> estimations</a:t>
+              <a:t> the default </a:t>
+            </a:r>
+            <a:r>
+              <a:rPr lang="fr-BE" dirty="0" err="1"/>
+              <a:t>specification</a:t>
+            </a:r>
+            <a:r>
+              <a:rPr lang="fr-BE" dirty="0"/>
+              <a:t> (or use an </a:t>
+            </a:r>
+            <a:r>
+              <a:rPr lang="fr-BE" dirty="0" err="1"/>
+              <a:t>existing</a:t>
+            </a:r>
+            <a:r>
+              <a:rPr lang="fr-BE" dirty="0"/>
+              <a:t> one)</a:t>
             </a:r>
           </a:p>
           <a:p>
             <a:pPr lvl="2"/>
             <a:r>
               <a:rPr lang="fr-BE" dirty="0" err="1"/>
-              <a:t>Re-load</a:t>
+              <a:t>Modify</a:t>
             </a:r>
             <a:r>
               <a:rPr lang="fr-BE" dirty="0"/>
-              <a:t> the </a:t>
+              <a:t> </a:t>
             </a:r>
             <a:r>
               <a:rPr lang="fr-BE" dirty="0" err="1"/>
-              <a:t>workspace</a:t>
+              <a:t>some</a:t>
+            </a:r>
+            <a:r>
+              <a:rPr lang="fr-BE" dirty="0"/>
+              <a:t> </a:t>
+            </a:r>
+            <a:r>
+              <a:rPr lang="fr-BE" dirty="0" err="1"/>
+              <a:t>specifications</a:t>
+            </a:r>
+            <a:r>
+              <a:rPr lang="fr-BE" dirty="0"/>
+              <a:t> (</a:t>
+            </a:r>
+            <a:r>
+              <a:rPr lang="fr-BE" dirty="0" err="1"/>
+              <a:t>keep</a:t>
+            </a:r>
+            <a:r>
+              <a:rPr lang="fr-BE" dirty="0"/>
+              <a:t> </a:t>
+            </a:r>
+            <a:r>
+              <a:rPr lang="fr-BE" dirty="0" err="1"/>
+              <a:t>them</a:t>
+            </a:r>
+            <a:r>
+              <a:rPr lang="fr-BE" dirty="0"/>
+              <a:t> « large »)</a:t>
+            </a:r>
+          </a:p>
+          <a:p>
+            <a:pPr lvl="2"/>
+            <a:r>
+              <a:rPr lang="fr-BE" dirty="0" err="1"/>
+              <a:t>Generate</a:t>
+            </a:r>
+            <a:r>
+              <a:rPr lang="fr-BE" dirty="0"/>
+              <a:t> and export the </a:t>
+            </a:r>
+            <a:r>
+              <a:rPr lang="fr-BE" dirty="0" err="1"/>
+              <a:t>results</a:t>
             </a:r>
             <a:endParaRPr lang="fr-BE" dirty="0"/>
           </a:p>
           <a:p>
             <a:pPr lvl="2"/>
             <a:r>
-              <a:rPr lang="fr-BE" dirty="0" err="1"/>
-              <a:t>Refresh</a:t>
-            </a:r>
-            <a:r>
               <a:rPr lang="fr-BE" dirty="0"/>
-              <a:t> the </a:t>
+              <a:t>Save the </a:t>
             </a:r>
             <a:r>
               <a:rPr lang="fr-BE" dirty="0" err="1"/>
               <a:t>processing</a:t>
             </a:r>
-            <a:r>
-              <a:rPr lang="fr-BE" dirty="0"/>
-              <a:t> (for instance)</a:t>
-            </a:r>
-          </a:p>
-          <a:p>
-            <a:pPr lvl="3"/>
-            <a:r>
-              <a:rPr lang="fr-BE" dirty="0"/>
-              <a:t>For normal </a:t>
-            </a:r>
-            <a:r>
-              <a:rPr lang="fr-BE" dirty="0" err="1"/>
-              <a:t>re</a:t>
-            </a:r>
-            <a:r>
-              <a:rPr lang="fr-BE" dirty="0"/>
-              <a:t>-estimation, </a:t>
-            </a:r>
-            <a:r>
-              <a:rPr lang="fr-BE" dirty="0" err="1"/>
-              <a:t>refresh</a:t>
-            </a:r>
-            <a:r>
-              <a:rPr lang="fr-BE" dirty="0"/>
-              <a:t> </a:t>
-            </a:r>
-            <a:r>
-              <a:rPr lang="fr-BE" dirty="0" err="1"/>
-              <a:t>only</a:t>
-            </a:r>
-            <a:r>
-              <a:rPr lang="fr-BE" dirty="0"/>
-              <a:t> the </a:t>
-            </a:r>
-            <a:r>
-              <a:rPr lang="fr-BE" dirty="0" err="1"/>
-              <a:t>parameters</a:t>
-            </a:r>
-            <a:r>
-              <a:rPr lang="fr-BE" dirty="0"/>
-              <a:t> </a:t>
-            </a:r>
-          </a:p>
-          <a:p>
-            <a:pPr lvl="3"/>
-            <a:r>
-              <a:rPr lang="fr-BE" dirty="0" err="1"/>
-              <a:t>Refresh</a:t>
-            </a:r>
-            <a:r>
-              <a:rPr lang="fr-BE" dirty="0"/>
-              <a:t> the model once </a:t>
-            </a:r>
-            <a:r>
-              <a:rPr lang="fr-BE" dirty="0" err="1"/>
-              <a:t>each</a:t>
-            </a:r>
-            <a:r>
-              <a:rPr lang="fr-BE" dirty="0"/>
-              <a:t> </a:t>
-            </a:r>
-            <a:r>
-              <a:rPr lang="fr-BE" dirty="0" err="1"/>
-              <a:t>year</a:t>
-            </a:r>
-            <a:r>
-              <a:rPr lang="fr-BE" dirty="0"/>
-              <a:t> (or </a:t>
-            </a:r>
-            <a:r>
-              <a:rPr lang="fr-BE" dirty="0" err="1"/>
-              <a:t>each</a:t>
-            </a:r>
-            <a:r>
-              <a:rPr lang="fr-BE" dirty="0"/>
-              <a:t> </a:t>
-            </a:r>
-            <a:r>
-              <a:rPr lang="fr-BE" dirty="0" err="1"/>
-              <a:t>two</a:t>
-            </a:r>
-            <a:r>
-              <a:rPr lang="fr-BE" dirty="0"/>
-              <a:t> </a:t>
-            </a:r>
-            <a:r>
-              <a:rPr lang="fr-BE" dirty="0" err="1"/>
-              <a:t>years</a:t>
-            </a:r>
-            <a:r>
-              <a:rPr lang="fr-BE"/>
-              <a:t>)</a:t>
-            </a:r>
             <a:endParaRPr lang="fr-BE" dirty="0"/>
-          </a:p>
-          <a:p>
-            <a:pPr lvl="3"/>
-            <a:r>
-              <a:rPr lang="fr-BE" dirty="0" err="1"/>
-              <a:t>Inspect</a:t>
-            </a:r>
-            <a:r>
-              <a:rPr lang="fr-BE" dirty="0"/>
-              <a:t> the </a:t>
-            </a:r>
-            <a:r>
-              <a:rPr lang="fr-BE" dirty="0" err="1"/>
-              <a:t>results</a:t>
-            </a:r>
-            <a:r>
-              <a:rPr lang="fr-BE" dirty="0"/>
-              <a:t> and </a:t>
-            </a:r>
-            <a:r>
-              <a:rPr lang="fr-BE" dirty="0" err="1"/>
-              <a:t>modify</a:t>
-            </a:r>
-            <a:r>
-              <a:rPr lang="fr-BE" dirty="0"/>
-              <a:t> </a:t>
-            </a:r>
-            <a:r>
-              <a:rPr lang="fr-BE" dirty="0" err="1"/>
-              <a:t>them</a:t>
-            </a:r>
-            <a:r>
-              <a:rPr lang="fr-BE" dirty="0"/>
-              <a:t> if </a:t>
-            </a:r>
-            <a:r>
-              <a:rPr lang="fr-BE" dirty="0" err="1"/>
-              <a:t>need</a:t>
-            </a:r>
-            <a:r>
-              <a:rPr lang="fr-BE" dirty="0"/>
-              <a:t> </a:t>
-            </a:r>
-            <a:r>
-              <a:rPr lang="fr-BE" dirty="0" err="1"/>
-              <a:t>be</a:t>
-            </a:r>
-            <a:r>
-              <a:rPr lang="fr-BE" dirty="0"/>
-              <a:t> (</a:t>
-            </a:r>
-            <a:r>
-              <a:rPr lang="fr-BE" dirty="0" err="1"/>
-              <a:t>will</a:t>
-            </a:r>
-            <a:r>
-              <a:rPr lang="fr-BE" dirty="0"/>
-              <a:t> </a:t>
-            </a:r>
-            <a:r>
-              <a:rPr lang="fr-BE" dirty="0" err="1"/>
-              <a:t>modify</a:t>
-            </a:r>
-            <a:r>
-              <a:rPr lang="fr-BE" dirty="0"/>
-              <a:t> </a:t>
-            </a:r>
-            <a:r>
-              <a:rPr lang="fr-BE" dirty="0" err="1"/>
-              <a:t>some</a:t>
-            </a:r>
-            <a:r>
-              <a:rPr lang="fr-BE" dirty="0"/>
-              <a:t> « </a:t>
-            </a:r>
-            <a:r>
-              <a:rPr lang="fr-BE" dirty="0" err="1"/>
-              <a:t>domain</a:t>
-            </a:r>
-            <a:r>
-              <a:rPr lang="fr-BE" dirty="0"/>
-              <a:t> </a:t>
-            </a:r>
-            <a:r>
-              <a:rPr lang="fr-BE" dirty="0" err="1"/>
-              <a:t>specifications</a:t>
-            </a:r>
-            <a:r>
-              <a:rPr lang="fr-BE" dirty="0"/>
-              <a:t> » </a:t>
-            </a:r>
-          </a:p>
-          <a:p>
-            <a:pPr lvl="2"/>
-            <a:r>
-              <a:rPr lang="fr-BE" dirty="0"/>
-              <a:t>Exports the </a:t>
-            </a:r>
-            <a:r>
-              <a:rPr lang="fr-BE" dirty="0" err="1"/>
-              <a:t>results</a:t>
-            </a:r>
-            <a:r>
-              <a:rPr lang="fr-BE" dirty="0"/>
-              <a:t> and </a:t>
-            </a:r>
-            <a:r>
-              <a:rPr lang="fr-BE" dirty="0" err="1"/>
-              <a:t>save</a:t>
-            </a:r>
-            <a:r>
-              <a:rPr lang="fr-BE" dirty="0"/>
-              <a:t> the </a:t>
-            </a:r>
-            <a:r>
-              <a:rPr lang="fr-BE" dirty="0" err="1"/>
-              <a:t>workspace</a:t>
-            </a:r>
-            <a:r>
-              <a:rPr lang="fr-BE" dirty="0"/>
-              <a:t>.</a:t>
-            </a:r>
-            <a:endParaRPr lang="en-US" dirty="0"/>
-          </a:p>
-          <a:p>
-            <a:endParaRPr lang="en-US" dirty="0"/>
           </a:p>
         </p:txBody>
       </p:sp>
@@ -10678,7 +10796,7 @@
     </p:spTree>
     <p:extLst>
       <p:ext uri="{BB962C8B-B14F-4D97-AF65-F5344CB8AC3E}">
-        <p14:creationId xmlns:p14="http://schemas.microsoft.com/office/powerpoint/2010/main" val="299840604"/>
+        <p14:creationId xmlns:p14="http://schemas.microsoft.com/office/powerpoint/2010/main" val="1883903426"/>
       </p:ext>
     </p:extLst>
   </p:cSld>
@@ -10721,45 +10839,90 @@
           <a:lstStyle/>
           <a:p>
             <a:r>
+              <a:rPr lang="fr-BE" dirty="0"/>
+              <a:t>JD+ GUI (II)</a:t>
+            </a:r>
+            <a:endParaRPr lang="en-US" dirty="0"/>
+          </a:p>
+        </p:txBody>
+      </p:sp>
+      <p:sp>
+        <p:nvSpPr>
+          <p:cNvPr id="3" name="Content Placeholder 2"/>
+          <p:cNvSpPr>
+            <a:spLocks noGrp="1"/>
+          </p:cNvSpPr>
+          <p:nvPr>
+            <p:ph idx="1"/>
+          </p:nvPr>
+        </p:nvSpPr>
+        <p:spPr/>
+        <p:txBody>
+          <a:bodyPr/>
+          <a:lstStyle/>
+          <a:p>
+            <a:pPr lvl="1"/>
+            <a:r>
               <a:rPr lang="fr-BE" dirty="0" err="1"/>
-              <a:t>JWSACruncher</a:t>
+              <a:t>Next</a:t>
             </a:r>
             <a:r>
               <a:rPr lang="fr-BE" dirty="0"/>
-              <a:t> (I)</a:t>
-            </a:r>
-            <a:endParaRPr lang="en-US" dirty="0"/>
-          </a:p>
-        </p:txBody>
-      </p:sp>
-      <p:sp>
-        <p:nvSpPr>
-          <p:cNvPr id="3" name="Content Placeholder 2"/>
-          <p:cNvSpPr>
-            <a:spLocks noGrp="1"/>
-          </p:cNvSpPr>
-          <p:nvPr>
-            <p:ph idx="1"/>
-          </p:nvPr>
-        </p:nvSpPr>
-        <p:spPr/>
-        <p:txBody>
-          <a:bodyPr>
-            <a:normAutofit/>
-          </a:bodyPr>
-          <a:lstStyle/>
-          <a:p>
+              <a:t> estimations</a:t>
+            </a:r>
+          </a:p>
+          <a:p>
+            <a:pPr lvl="2"/>
             <a:r>
               <a:rPr lang="fr-BE" dirty="0" err="1"/>
-              <a:t>Suitable</a:t>
+              <a:t>Re-load</a:t>
             </a:r>
             <a:r>
               <a:rPr lang="fr-BE" dirty="0"/>
-              <a:t> for </a:t>
+              <a:t> the </a:t>
             </a:r>
             <a:r>
               <a:rPr lang="fr-BE" dirty="0" err="1"/>
-              <a:t>any</a:t>
+              <a:t>workspace</a:t>
+            </a:r>
+            <a:endParaRPr lang="fr-BE" dirty="0"/>
+          </a:p>
+          <a:p>
+            <a:pPr lvl="2"/>
+            <a:r>
+              <a:rPr lang="fr-BE" dirty="0" err="1"/>
+              <a:t>Refresh</a:t>
+            </a:r>
+            <a:r>
+              <a:rPr lang="fr-BE" dirty="0"/>
+              <a:t> the </a:t>
+            </a:r>
+            <a:r>
+              <a:rPr lang="fr-BE" dirty="0" err="1"/>
+              <a:t>processing</a:t>
+            </a:r>
+            <a:r>
+              <a:rPr lang="fr-BE" dirty="0"/>
+              <a:t> (for instance)</a:t>
+            </a:r>
+          </a:p>
+          <a:p>
+            <a:pPr lvl="3"/>
+            <a:r>
+              <a:rPr lang="fr-BE" dirty="0"/>
+              <a:t>For normal </a:t>
+            </a:r>
+            <a:r>
+              <a:rPr lang="fr-BE" dirty="0" err="1"/>
+              <a:t>re</a:t>
+            </a:r>
+            <a:r>
+              <a:rPr lang="fr-BE" dirty="0"/>
+              <a:t>-estimation, </a:t>
+            </a:r>
+            <a:r>
+              <a:rPr lang="fr-BE" dirty="0" err="1"/>
+              <a:t>refresh</a:t>
             </a:r>
             <a:r>
               <a:rPr lang="fr-BE" dirty="0"/>
@@ -10767,19 +10930,185 @@
             </a:r>
             <a:r>
               <a:rPr lang="fr-BE" dirty="0" err="1"/>
-              <a:t>number</a:t>
+              <a:t>only</a:t>
             </a:r>
             <a:r>
               <a:rPr lang="fr-BE" dirty="0"/>
-              <a:t> of </a:t>
+              <a:t> the </a:t>
             </a:r>
             <a:r>
               <a:rPr lang="fr-BE" dirty="0" err="1"/>
-              <a:t>series</a:t>
+              <a:t>parameters</a:t>
             </a:r>
             <a:r>
               <a:rPr lang="fr-BE" dirty="0"/>
-              <a:t> (split the </a:t>
+              <a:t> </a:t>
+            </a:r>
+          </a:p>
+          <a:p>
+            <a:pPr lvl="3"/>
+            <a:r>
+              <a:rPr lang="fr-BE" dirty="0" err="1"/>
+              <a:t>Refresh</a:t>
+            </a:r>
+            <a:r>
+              <a:rPr lang="fr-BE" dirty="0"/>
+              <a:t> the model once </a:t>
+            </a:r>
+            <a:r>
+              <a:rPr lang="fr-BE" dirty="0" err="1"/>
+              <a:t>each</a:t>
+            </a:r>
+            <a:r>
+              <a:rPr lang="fr-BE" dirty="0"/>
+              <a:t> </a:t>
+            </a:r>
+            <a:r>
+              <a:rPr lang="fr-BE" dirty="0" err="1"/>
+              <a:t>year</a:t>
+            </a:r>
+            <a:r>
+              <a:rPr lang="fr-BE" dirty="0"/>
+              <a:t> (or </a:t>
+            </a:r>
+            <a:r>
+              <a:rPr lang="fr-BE" dirty="0" err="1"/>
+              <a:t>each</a:t>
+            </a:r>
+            <a:r>
+              <a:rPr lang="fr-BE" dirty="0"/>
+              <a:t> </a:t>
+            </a:r>
+            <a:r>
+              <a:rPr lang="fr-BE" dirty="0" err="1"/>
+              <a:t>two</a:t>
+            </a:r>
+            <a:r>
+              <a:rPr lang="fr-BE" dirty="0"/>
+              <a:t> </a:t>
+            </a:r>
+            <a:r>
+              <a:rPr lang="fr-BE" dirty="0" err="1"/>
+              <a:t>years</a:t>
+            </a:r>
+            <a:r>
+              <a:rPr lang="fr-BE"/>
+              <a:t>)</a:t>
+            </a:r>
+            <a:endParaRPr lang="fr-BE" dirty="0"/>
+          </a:p>
+          <a:p>
+            <a:pPr lvl="3"/>
+            <a:r>
+              <a:rPr lang="fr-BE" dirty="0" err="1"/>
+              <a:t>Inspect</a:t>
+            </a:r>
+            <a:r>
+              <a:rPr lang="fr-BE" dirty="0"/>
+              <a:t> the </a:t>
+            </a:r>
+            <a:r>
+              <a:rPr lang="fr-BE" dirty="0" err="1"/>
+              <a:t>results</a:t>
+            </a:r>
+            <a:r>
+              <a:rPr lang="fr-BE" dirty="0"/>
+              <a:t> and </a:t>
+            </a:r>
+            <a:r>
+              <a:rPr lang="fr-BE" dirty="0" err="1"/>
+              <a:t>modify</a:t>
+            </a:r>
+            <a:r>
+              <a:rPr lang="fr-BE" dirty="0"/>
+              <a:t> </a:t>
+            </a:r>
+            <a:r>
+              <a:rPr lang="fr-BE" dirty="0" err="1"/>
+              <a:t>them</a:t>
+            </a:r>
+            <a:r>
+              <a:rPr lang="fr-BE" dirty="0"/>
+              <a:t> if </a:t>
+            </a:r>
+            <a:r>
+              <a:rPr lang="fr-BE" dirty="0" err="1"/>
+              <a:t>need</a:t>
+            </a:r>
+            <a:r>
+              <a:rPr lang="fr-BE" dirty="0"/>
+              <a:t> </a:t>
+            </a:r>
+            <a:r>
+              <a:rPr lang="fr-BE" dirty="0" err="1"/>
+              <a:t>be</a:t>
+            </a:r>
+            <a:r>
+              <a:rPr lang="fr-BE" dirty="0"/>
+              <a:t> (</a:t>
+            </a:r>
+            <a:r>
+              <a:rPr lang="fr-BE" dirty="0" err="1"/>
+              <a:t>will</a:t>
+            </a:r>
+            <a:r>
+              <a:rPr lang="fr-BE" dirty="0"/>
+              <a:t> </a:t>
+            </a:r>
+            <a:r>
+              <a:rPr lang="fr-BE" dirty="0" err="1"/>
+              <a:t>modify</a:t>
+            </a:r>
+            <a:r>
+              <a:rPr lang="fr-BE" dirty="0"/>
+              <a:t> </a:t>
+            </a:r>
+            <a:r>
+              <a:rPr lang="fr-BE" dirty="0" err="1"/>
+              <a:t>some</a:t>
+            </a:r>
+            <a:r>
+              <a:rPr lang="fr-BE" dirty="0"/>
+              <a:t> « </a:t>
+            </a:r>
+            <a:r>
+              <a:rPr lang="fr-BE" dirty="0" err="1"/>
+              <a:t>domain</a:t>
+            </a:r>
+            <a:r>
+              <a:rPr lang="fr-BE" dirty="0"/>
+              <a:t> </a:t>
+            </a:r>
+            <a:r>
+              <a:rPr lang="fr-BE" dirty="0" err="1"/>
+              <a:t>specifications</a:t>
+            </a:r>
+            <a:r>
+              <a:rPr lang="fr-BE" dirty="0"/>
+              <a:t> » </a:t>
+            </a:r>
+          </a:p>
+          <a:p>
+            <a:pPr lvl="2"/>
+            <a:r>
+              <a:rPr lang="fr-BE" dirty="0"/>
+              <a:t>Exports the </a:t>
+            </a:r>
+            <a:r>
+              <a:rPr lang="fr-BE" dirty="0" err="1"/>
+              <a:t>results</a:t>
+            </a:r>
+            <a:r>
+              <a:rPr lang="fr-BE" dirty="0"/>
+              <a:t> and </a:t>
+            </a:r>
+            <a:r>
+              <a:rPr lang="fr-BE" dirty="0" err="1"/>
+              <a:t>save</a:t>
+            </a:r>
+            <a:r>
+              <a:rPr lang="fr-BE" dirty="0"/>
+              <a:t> the </a:t>
             </a:r>
             <a:r>
               <a:rPr lang="fr-BE" dirty="0" err="1"/>
@@ -10787,122 +11116,12 @@
             </a:r>
             <a:r>
               <a:rPr lang="fr-BE" dirty="0"/>
-              <a:t> </a:t>
-            </a:r>
-            <a:r>
-              <a:rPr lang="fr-BE" dirty="0" err="1"/>
-              <a:t>is</a:t>
-            </a:r>
-            <a:r>
-              <a:rPr lang="fr-BE" dirty="0"/>
-              <a:t> </a:t>
-            </a:r>
-            <a:r>
-              <a:rPr lang="fr-BE" dirty="0" err="1"/>
-              <a:t>several</a:t>
-            </a:r>
-            <a:r>
-              <a:rPr lang="fr-BE" dirty="0"/>
-              <a:t> </a:t>
-            </a:r>
-            <a:r>
-              <a:rPr lang="fr-BE" dirty="0" err="1"/>
-              <a:t>SAProcessing</a:t>
-            </a:r>
-            <a:r>
-              <a:rPr lang="fr-BE" dirty="0"/>
-              <a:t>) if </a:t>
-            </a:r>
-            <a:r>
-              <a:rPr lang="fr-BE" dirty="0" err="1"/>
-              <a:t>need</a:t>
-            </a:r>
-            <a:r>
-              <a:rPr lang="fr-BE" dirty="0"/>
-              <a:t> </a:t>
-            </a:r>
-            <a:r>
-              <a:rPr lang="fr-BE" dirty="0" err="1"/>
-              <a:t>be</a:t>
-            </a:r>
-            <a:endParaRPr lang="fr-BE" dirty="0"/>
-          </a:p>
-          <a:p>
-            <a:r>
-              <a:rPr lang="fr-BE" dirty="0" err="1"/>
-              <a:t>Steps</a:t>
-            </a:r>
-            <a:endParaRPr lang="fr-BE" dirty="0"/>
-          </a:p>
-          <a:p>
-            <a:pPr lvl="1"/>
-            <a:r>
-              <a:rPr lang="fr-BE" dirty="0" err="1"/>
-              <a:t>Initialization</a:t>
-            </a:r>
-            <a:r>
-              <a:rPr lang="fr-BE" dirty="0"/>
-              <a:t>: </a:t>
-            </a:r>
-          </a:p>
-          <a:p>
-            <a:pPr lvl="2"/>
-            <a:r>
-              <a:rPr lang="fr-BE" dirty="0" err="1"/>
-              <a:t>generate</a:t>
-            </a:r>
-            <a:r>
-              <a:rPr lang="fr-BE" dirty="0"/>
-              <a:t> the input file (=</a:t>
-            </a:r>
-            <a:r>
-              <a:rPr lang="fr-BE" dirty="0" err="1"/>
-              <a:t>workspace</a:t>
-            </a:r>
-            <a:r>
-              <a:rPr lang="fr-BE" dirty="0"/>
-              <a:t>), </a:t>
-            </a:r>
-            <a:r>
-              <a:rPr lang="fr-BE" dirty="0" err="1"/>
-              <a:t>using</a:t>
-            </a:r>
-            <a:r>
-              <a:rPr lang="fr-BE" dirty="0"/>
-              <a:t> the GUI (</a:t>
-            </a:r>
-            <a:r>
-              <a:rPr lang="fr-BE" dirty="0" err="1"/>
-              <a:t>don’t</a:t>
-            </a:r>
-            <a:r>
-              <a:rPr lang="fr-BE" dirty="0"/>
-              <a:t> </a:t>
-            </a:r>
-            <a:r>
-              <a:rPr lang="fr-BE" dirty="0" err="1"/>
-              <a:t>process</a:t>
-            </a:r>
-            <a:r>
-              <a:rPr lang="fr-BE" dirty="0"/>
-              <a:t> the multi-</a:t>
-            </a:r>
-            <a:r>
-              <a:rPr lang="fr-BE" dirty="0" err="1"/>
-              <a:t>processing</a:t>
-            </a:r>
-            <a:r>
-              <a:rPr lang="fr-BE" dirty="0"/>
-              <a:t>) or </a:t>
-            </a:r>
-            <a:r>
-              <a:rPr lang="fr-BE" dirty="0" err="1"/>
-              <a:t>using</a:t>
-            </a:r>
-            <a:r>
-              <a:rPr lang="fr-BE" dirty="0"/>
-              <a:t> in-house programs</a:t>
-            </a:r>
+              <a:t>.</a:t>
+            </a:r>
+            <a:endParaRPr lang="en-US" dirty="0"/>
+          </a:p>
+          <a:p>
+            <a:endParaRPr lang="en-US" dirty="0"/>
           </a:p>
         </p:txBody>
       </p:sp>
@@ -10954,7 +11173,7 @@
     </p:spTree>
     <p:extLst>
       <p:ext uri="{BB962C8B-B14F-4D97-AF65-F5344CB8AC3E}">
-        <p14:creationId xmlns:p14="http://schemas.microsoft.com/office/powerpoint/2010/main" val="3638397380"/>
+        <p14:creationId xmlns:p14="http://schemas.microsoft.com/office/powerpoint/2010/main" val="299840604"/>
       </p:ext>
     </p:extLst>
   </p:cSld>
@@ -11002,7 +11221,7 @@
             </a:r>
             <a:r>
               <a:rPr lang="fr-BE" dirty="0"/>
-              <a:t> (II)</a:t>
+              <a:t> (I)</a:t>
             </a:r>
             <a:endParaRPr lang="en-US" dirty="0"/>
           </a:p>
@@ -11020,82 +11239,74 @@
         </p:nvSpPr>
         <p:spPr/>
         <p:txBody>
-          <a:bodyPr/>
-          <a:lstStyle/>
-          <a:p>
-            <a:pPr lvl="2"/>
+          <a:bodyPr>
+            <a:normAutofit/>
+          </a:bodyPr>
+          <a:lstStyle/>
+          <a:p>
             <a:r>
               <a:rPr lang="fr-BE" dirty="0" err="1"/>
-              <a:t>Define</a:t>
+              <a:t>Suitable</a:t>
             </a:r>
             <a:r>
               <a:rPr lang="fr-BE" dirty="0"/>
-              <a:t> the setting file for the </a:t>
+              <a:t> for </a:t>
             </a:r>
             <a:r>
               <a:rPr lang="fr-BE" dirty="0" err="1"/>
-              <a:t>cruncher</a:t>
-            </a:r>
-            <a:endParaRPr lang="fr-BE" dirty="0"/>
-          </a:p>
-          <a:p>
-            <a:pPr lvl="3"/>
+              <a:t>any</a:t>
+            </a:r>
             <a:r>
               <a:rPr lang="fr-BE" dirty="0"/>
-              <a:t>Output, format, </a:t>
+              <a:t> </a:t>
             </a:r>
             <a:r>
               <a:rPr lang="fr-BE" dirty="0" err="1"/>
-              <a:t>paths</a:t>
+              <a:t>number</a:t>
             </a:r>
             <a:r>
               <a:rPr lang="fr-BE" dirty="0"/>
-              <a:t>…</a:t>
-            </a:r>
-          </a:p>
-          <a:p>
-            <a:pPr lvl="2"/>
-            <a:endParaRPr lang="fr-BE" dirty="0"/>
-          </a:p>
-          <a:p>
-            <a:pPr lvl="2"/>
-            <a:endParaRPr lang="fr-BE" dirty="0"/>
-          </a:p>
-          <a:p>
-            <a:pPr lvl="2"/>
-            <a:endParaRPr lang="fr-BE" dirty="0"/>
-          </a:p>
-          <a:p>
-            <a:pPr lvl="2"/>
-            <a:endParaRPr lang="fr-BE" dirty="0"/>
-          </a:p>
-          <a:p>
-            <a:pPr lvl="2"/>
+              <a:t> of </a:t>
+            </a:r>
+            <a:r>
+              <a:rPr lang="fr-BE" dirty="0" err="1"/>
+              <a:t>series</a:t>
+            </a:r>
             <a:r>
               <a:rPr lang="fr-BE" dirty="0"/>
-              <a:t>Call the command line </a:t>
-            </a:r>
-          </a:p>
-          <a:p>
-            <a:pPr lvl="1"/>
+              <a:t> (split the </a:t>
+            </a:r>
             <a:r>
               <a:rPr lang="fr-BE" dirty="0" err="1"/>
-              <a:t>Next</a:t>
+              <a:t>workspace</a:t>
             </a:r>
             <a:r>
               <a:rPr lang="fr-BE" dirty="0"/>
-              <a:t> estimations</a:t>
-            </a:r>
-          </a:p>
-          <a:p>
-            <a:pPr lvl="2"/>
+              <a:t> </a:t>
+            </a:r>
             <a:r>
               <a:rPr lang="fr-BE" dirty="0" err="1"/>
-              <a:t>Modify</a:t>
+              <a:t>is</a:t>
             </a:r>
             <a:r>
               <a:rPr lang="fr-BE" dirty="0"/>
-              <a:t> the setting file (if </a:t>
+              <a:t> </a:t>
+            </a:r>
+            <a:r>
+              <a:rPr lang="fr-BE" dirty="0" err="1"/>
+              <a:t>several</a:t>
+            </a:r>
+            <a:r>
+              <a:rPr lang="fr-BE" dirty="0"/>
+              <a:t> </a:t>
+            </a:r>
+            <a:r>
+              <a:rPr lang="fr-BE" dirty="0" err="1"/>
+              <a:t>SAProcessing</a:t>
+            </a:r>
+            <a:r>
+              <a:rPr lang="fr-BE" dirty="0"/>
+              <a:t>) if </a:t>
             </a:r>
             <a:r>
               <a:rPr lang="fr-BE" dirty="0" err="1"/>
@@ -11109,81 +11320,87 @@
               <a:rPr lang="fr-BE" dirty="0" err="1"/>
               <a:t>be</a:t>
             </a:r>
+            <a:endParaRPr lang="fr-BE" dirty="0"/>
+          </a:p>
+          <a:p>
+            <a:r>
+              <a:rPr lang="fr-BE" dirty="0" err="1"/>
+              <a:t>Steps</a:t>
+            </a:r>
+            <a:endParaRPr lang="fr-BE" dirty="0"/>
+          </a:p>
+          <a:p>
+            <a:pPr lvl="1"/>
+            <a:r>
+              <a:rPr lang="fr-BE" dirty="0" err="1"/>
+              <a:t>Initialization</a:t>
+            </a:r>
             <a:r>
               <a:rPr lang="fr-BE" dirty="0"/>
-              <a:t>)</a:t>
+              <a:t>: </a:t>
             </a:r>
           </a:p>
           <a:p>
             <a:pPr lvl="2"/>
             <a:r>
               <a:rPr lang="fr-BE" dirty="0" err="1"/>
-              <a:t>Re</a:t>
+              <a:t>generate</a:t>
             </a:r>
             <a:r>
               <a:rPr lang="fr-BE" dirty="0"/>
-              <a:t>-call </a:t>
-            </a:r>
-            <a:r>
-              <a:rPr lang="fr-BE"/>
-              <a:t>the command line</a:t>
-            </a:r>
-            <a:endParaRPr lang="en-US" dirty="0"/>
-          </a:p>
-          <a:p>
-            <a:endParaRPr lang="en-US" dirty="0"/>
-          </a:p>
-        </p:txBody>
-      </p:sp>
-      <p:pic>
-        <p:nvPicPr>
-          <p:cNvPr id="1026" name="Picture 2"/>
-          <p:cNvPicPr>
-            <a:picLocks noChangeAspect="1" noChangeArrowheads="1"/>
-          </p:cNvPicPr>
-          <p:nvPr/>
-        </p:nvPicPr>
-        <p:blipFill>
-          <a:blip r:embed="rId2">
-            <a:extLst>
-              <a:ext uri="{28A0092B-C50C-407E-A947-70E740481C1C}">
-                <a14:useLocalDpi xmlns:a14="http://schemas.microsoft.com/office/drawing/2010/main" val="0"/>
-              </a:ext>
-            </a:extLst>
-          </a:blip>
-          <a:srcRect/>
-          <a:stretch>
-            <a:fillRect/>
-          </a:stretch>
-        </p:blipFill>
-        <p:spPr bwMode="auto">
-          <a:xfrm>
-            <a:off x="2267744" y="2564904"/>
-            <a:ext cx="6184596" cy="1239193"/>
-          </a:xfrm>
-          <a:prstGeom prst="rect">
-            <a:avLst/>
-          </a:prstGeom>
-          <a:noFill/>
-          <a:ln w="9525">
-            <a:solidFill>
-              <a:schemeClr val="tx1"/>
-            </a:solidFill>
-            <a:miter lim="800000"/>
-            <a:headEnd/>
-            <a:tailEnd/>
-          </a:ln>
-          <a:extLst>
-            <a:ext uri="{909E8E84-426E-40DD-AFC4-6F175D3DCCD1}">
-              <a14:hiddenFill xmlns:a14="http://schemas.microsoft.com/office/drawing/2010/main">
-                <a:solidFill>
-                  <a:schemeClr val="accent1"/>
-                </a:solidFill>
-              </a14:hiddenFill>
-            </a:ext>
-          </a:extLst>
-        </p:spPr>
-      </p:pic>
+              <a:t> the input file (=</a:t>
+            </a:r>
+            <a:r>
+              <a:rPr lang="fr-BE" dirty="0" err="1"/>
+              <a:t>workspace</a:t>
+            </a:r>
+            <a:r>
+              <a:rPr lang="fr-BE" dirty="0"/>
+              <a:t>), </a:t>
+            </a:r>
+            <a:r>
+              <a:rPr lang="fr-BE" dirty="0" err="1"/>
+              <a:t>using</a:t>
+            </a:r>
+            <a:r>
+              <a:rPr lang="fr-BE" dirty="0"/>
+              <a:t> the GUI (</a:t>
+            </a:r>
+            <a:r>
+              <a:rPr lang="fr-BE" dirty="0" err="1"/>
+              <a:t>don’t</a:t>
+            </a:r>
+            <a:r>
+              <a:rPr lang="fr-BE" dirty="0"/>
+              <a:t> </a:t>
+            </a:r>
+            <a:r>
+              <a:rPr lang="fr-BE" dirty="0" err="1"/>
+              <a:t>process</a:t>
+            </a:r>
+            <a:r>
+              <a:rPr lang="fr-BE" dirty="0"/>
+              <a:t> the multi-</a:t>
+            </a:r>
+            <a:r>
+              <a:rPr lang="fr-BE" dirty="0" err="1"/>
+              <a:t>processing</a:t>
+            </a:r>
+            <a:r>
+              <a:rPr lang="fr-BE" dirty="0"/>
+              <a:t>) or </a:t>
+            </a:r>
+            <a:r>
+              <a:rPr lang="fr-BE" dirty="0" err="1"/>
+              <a:t>using</a:t>
+            </a:r>
+            <a:r>
+              <a:rPr lang="fr-BE" dirty="0"/>
+              <a:t> in-house programs</a:t>
+            </a:r>
+          </a:p>
+        </p:txBody>
+      </p:sp>
       <p:sp>
         <p:nvSpPr>
           <p:cNvPr id="4" name="Espace réservé de la date 3"/>
@@ -11232,7 +11449,7 @@
     </p:spTree>
     <p:extLst>
       <p:ext uri="{BB962C8B-B14F-4D97-AF65-F5344CB8AC3E}">
-        <p14:creationId xmlns:p14="http://schemas.microsoft.com/office/powerpoint/2010/main" val="2897055401"/>
+        <p14:creationId xmlns:p14="http://schemas.microsoft.com/office/powerpoint/2010/main" val="3638397380"/>
       </p:ext>
     </p:extLst>
   </p:cSld>
